--- a/PPT/03 UFT Check Point.pptx
+++ b/PPT/03 UFT Check Point.pptx
@@ -145,7 +145,7 @@
   </p:defaultTextStyle>
   <p:extLst>
     <p:ext uri="{EFAFB233-063F-42B5-8137-9DF3F51BA10A}">
-      <p15:sldGuideLst xmlns:p15="http://schemas.microsoft.com/office/powerpoint/2012/main">
+      <p15:sldGuideLst xmlns="" xmlns:p15="http://schemas.microsoft.com/office/powerpoint/2012/main">
         <p15:guide id="1" orient="horz" pos="2160">
           <p15:clr>
             <a:srgbClr val="A4A3A4"/>
@@ -244,7 +244,7 @@
           <a:p>
             <a:fld id="{AC305B9E-BD77-4D0C-8B11-D405776170DD}" type="datetimeFigureOut">
               <a:rPr lang="zh-CN" altLang="en-US" smtClean="0"/>
-              <a:t>2017/9/6</a:t>
+              <a:t>2017/9/7</a:t>
             </a:fld>
             <a:endParaRPr lang="zh-CN" altLang="en-US"/>
           </a:p>
@@ -2182,7 +2182,7 @@
           <a:p>
             <a:fld id="{530820CF-B880-4189-942D-D702A7CBA730}" type="datetimeFigureOut">
               <a:rPr lang="zh-CN" altLang="en-US" smtClean="0"/>
-              <a:t>2017/9/6</a:t>
+              <a:t>2017/9/7</a:t>
             </a:fld>
             <a:endParaRPr lang="zh-CN" altLang="en-US"/>
           </a:p>
@@ -4627,7 +4627,7 @@
           <a:p>
             <a:fld id="{530820CF-B880-4189-942D-D702A7CBA730}" type="datetimeFigureOut">
               <a:rPr lang="zh-CN" altLang="en-US" smtClean="0"/>
-              <a:t>2017/9/6</a:t>
+              <a:t>2017/9/7</a:t>
             </a:fld>
             <a:endParaRPr lang="zh-CN" altLang="en-US"/>
           </a:p>
@@ -6547,7 +6547,7 @@
           <a:p>
             <a:fld id="{530820CF-B880-4189-942D-D702A7CBA730}" type="datetimeFigureOut">
               <a:rPr lang="zh-CN" altLang="en-US" smtClean="0"/>
-              <a:t>2017/9/6</a:t>
+              <a:t>2017/9/7</a:t>
             </a:fld>
             <a:endParaRPr lang="zh-CN" altLang="en-US"/>
           </a:p>
@@ -6950,30 +6950,138 @@
           </a:p>
         </p:txBody>
       </p:sp>
-      <p:pic>
-        <p:nvPicPr>
-          <p:cNvPr id="4" name="图片 3"/>
-          <p:cNvPicPr>
-            <a:picLocks noChangeAspect="1"/>
-          </p:cNvPicPr>
+      <p:sp>
+        <p:nvSpPr>
+          <p:cNvPr id="5" name="TextBox 3"/>
+          <p:cNvSpPr txBox="1"/>
           <p:nvPr/>
-        </p:nvPicPr>
-        <p:blipFill>
-          <a:blip r:embed="rId3"/>
-          <a:stretch>
-            <a:fillRect/>
-          </a:stretch>
-        </p:blipFill>
+        </p:nvSpPr>
         <p:spPr>
           <a:xfrm>
-            <a:off x="5652120" y="116632"/>
-            <a:ext cx="3428571" cy="685714"/>
+            <a:off x="5468735" y="6525344"/>
+            <a:ext cx="3672408" cy="461665"/>
           </a:xfrm>
           <a:prstGeom prst="rect">
             <a:avLst/>
           </a:prstGeom>
+          <a:noFill/>
         </p:spPr>
-      </p:pic>
+        <p:txBody>
+          <a:bodyPr wrap="square" rtlCol="0">
+            <a:spAutoFit/>
+          </a:bodyPr>
+          <a:lstStyle>
+            <a:defPPr>
+              <a:defRPr lang="zh-CN"/>
+            </a:defPPr>
+            <a:lvl1pPr marL="0" algn="l" defTabSz="914400" rtl="0" eaLnBrk="1" latinLnBrk="0" hangingPunct="1">
+              <a:defRPr sz="1800" kern="1200">
+                <a:solidFill>
+                  <a:schemeClr val="tx1"/>
+                </a:solidFill>
+                <a:latin typeface="+mn-lt"/>
+                <a:ea typeface="+mn-ea"/>
+                <a:cs typeface="+mn-cs"/>
+              </a:defRPr>
+            </a:lvl1pPr>
+            <a:lvl2pPr marL="457200" algn="l" defTabSz="914400" rtl="0" eaLnBrk="1" latinLnBrk="0" hangingPunct="1">
+              <a:defRPr sz="1800" kern="1200">
+                <a:solidFill>
+                  <a:schemeClr val="tx1"/>
+                </a:solidFill>
+                <a:latin typeface="+mn-lt"/>
+                <a:ea typeface="+mn-ea"/>
+                <a:cs typeface="+mn-cs"/>
+              </a:defRPr>
+            </a:lvl2pPr>
+            <a:lvl3pPr marL="914400" algn="l" defTabSz="914400" rtl="0" eaLnBrk="1" latinLnBrk="0" hangingPunct="1">
+              <a:defRPr sz="1800" kern="1200">
+                <a:solidFill>
+                  <a:schemeClr val="tx1"/>
+                </a:solidFill>
+                <a:latin typeface="+mn-lt"/>
+                <a:ea typeface="+mn-ea"/>
+                <a:cs typeface="+mn-cs"/>
+              </a:defRPr>
+            </a:lvl3pPr>
+            <a:lvl4pPr marL="1371600" algn="l" defTabSz="914400" rtl="0" eaLnBrk="1" latinLnBrk="0" hangingPunct="1">
+              <a:defRPr sz="1800" kern="1200">
+                <a:solidFill>
+                  <a:schemeClr val="tx1"/>
+                </a:solidFill>
+                <a:latin typeface="+mn-lt"/>
+                <a:ea typeface="+mn-ea"/>
+                <a:cs typeface="+mn-cs"/>
+              </a:defRPr>
+            </a:lvl4pPr>
+            <a:lvl5pPr marL="1828800" algn="l" defTabSz="914400" rtl="0" eaLnBrk="1" latinLnBrk="0" hangingPunct="1">
+              <a:defRPr sz="1800" kern="1200">
+                <a:solidFill>
+                  <a:schemeClr val="tx1"/>
+                </a:solidFill>
+                <a:latin typeface="+mn-lt"/>
+                <a:ea typeface="+mn-ea"/>
+                <a:cs typeface="+mn-cs"/>
+              </a:defRPr>
+            </a:lvl5pPr>
+            <a:lvl6pPr marL="2286000" algn="l" defTabSz="914400" rtl="0" eaLnBrk="1" latinLnBrk="0" hangingPunct="1">
+              <a:defRPr sz="1800" kern="1200">
+                <a:solidFill>
+                  <a:schemeClr val="tx1"/>
+                </a:solidFill>
+                <a:latin typeface="+mn-lt"/>
+                <a:ea typeface="+mn-ea"/>
+                <a:cs typeface="+mn-cs"/>
+              </a:defRPr>
+            </a:lvl6pPr>
+            <a:lvl7pPr marL="2743200" algn="l" defTabSz="914400" rtl="0" eaLnBrk="1" latinLnBrk="0" hangingPunct="1">
+              <a:defRPr sz="1800" kern="1200">
+                <a:solidFill>
+                  <a:schemeClr val="tx1"/>
+                </a:solidFill>
+                <a:latin typeface="+mn-lt"/>
+                <a:ea typeface="+mn-ea"/>
+                <a:cs typeface="+mn-cs"/>
+              </a:defRPr>
+            </a:lvl7pPr>
+            <a:lvl8pPr marL="3200400" algn="l" defTabSz="914400" rtl="0" eaLnBrk="1" latinLnBrk="0" hangingPunct="1">
+              <a:defRPr sz="1800" kern="1200">
+                <a:solidFill>
+                  <a:schemeClr val="tx1"/>
+                </a:solidFill>
+                <a:latin typeface="+mn-lt"/>
+                <a:ea typeface="+mn-ea"/>
+                <a:cs typeface="+mn-cs"/>
+              </a:defRPr>
+            </a:lvl8pPr>
+            <a:lvl9pPr marL="3657600" algn="l" defTabSz="914400" rtl="0" eaLnBrk="1" latinLnBrk="0" hangingPunct="1">
+              <a:defRPr sz="1800" kern="1200">
+                <a:solidFill>
+                  <a:schemeClr val="tx1"/>
+                </a:solidFill>
+                <a:latin typeface="+mn-lt"/>
+                <a:ea typeface="+mn-ea"/>
+                <a:cs typeface="+mn-cs"/>
+              </a:defRPr>
+            </a:lvl9pPr>
+          </a:lstStyle>
+          <a:p>
+            <a:r>
+              <a:rPr lang="zh-CN" altLang="en-US" sz="2400" b="1" dirty="0" smtClean="0">
+                <a:solidFill>
+                  <a:schemeClr val="bg1"/>
+                </a:solidFill>
+              </a:rPr>
+              <a:t>河北师范大学软件学院</a:t>
+            </a:r>
+            <a:endParaRPr lang="zh-CN" altLang="en-US" sz="2400" b="1" dirty="0">
+              <a:solidFill>
+                <a:schemeClr val="bg1"/>
+              </a:solidFill>
+            </a:endParaRPr>
+          </a:p>
+        </p:txBody>
+      </p:sp>
     </p:spTree>
     <p:extLst>
       <p:ext uri="{BB962C8B-B14F-4D97-AF65-F5344CB8AC3E}">
@@ -7232,42 +7340,50 @@
           <a:lstStyle/>
           <a:p>
             <a:r>
-              <a:rPr lang="zh-CN" altLang="en-US" smtClean="0"/>
+              <a:rPr lang="zh-CN" altLang="en-US" dirty="0" smtClean="0"/>
               <a:t>检查点概述</a:t>
             </a:r>
-            <a:endParaRPr lang="en-US" altLang="zh-CN" smtClean="0"/>
-          </a:p>
-          <a:p>
-            <a:r>
-              <a:rPr lang="zh-CN" altLang="en-US" smtClean="0"/>
+            <a:endParaRPr lang="en-US" altLang="zh-CN" dirty="0" smtClean="0"/>
+          </a:p>
+          <a:p>
+            <a:r>
+              <a:rPr lang="zh-CN" altLang="en-US" dirty="0" smtClean="0"/>
               <a:t>标准检查点</a:t>
             </a:r>
-            <a:endParaRPr lang="en-US" altLang="zh-CN" smtClean="0"/>
-          </a:p>
-          <a:p>
-            <a:r>
-              <a:rPr lang="zh-CN" altLang="en-US" smtClean="0"/>
+            <a:endParaRPr lang="en-US" altLang="zh-CN" dirty="0" smtClean="0"/>
+          </a:p>
+          <a:p>
+            <a:r>
+              <a:rPr lang="zh-CN" altLang="en-US" dirty="0" smtClean="0">
+                <a:solidFill>
+                  <a:srgbClr val="FF0000"/>
+                </a:solidFill>
+              </a:rPr>
               <a:t>文本检查点</a:t>
             </a:r>
-            <a:endParaRPr lang="en-US" altLang="zh-CN" smtClean="0"/>
-          </a:p>
-          <a:p>
-            <a:r>
-              <a:rPr lang="zh-CN" altLang="en-US" smtClean="0"/>
+            <a:endParaRPr lang="en-US" altLang="zh-CN" dirty="0" smtClean="0">
+              <a:solidFill>
+                <a:srgbClr val="FF0000"/>
+              </a:solidFill>
+            </a:endParaRPr>
+          </a:p>
+          <a:p>
+            <a:r>
+              <a:rPr lang="zh-CN" altLang="en-US" dirty="0" smtClean="0"/>
               <a:t>表格检查点</a:t>
             </a:r>
-            <a:endParaRPr lang="en-US" altLang="zh-CN" smtClean="0"/>
-          </a:p>
-          <a:p>
-            <a:r>
-              <a:rPr lang="zh-CN" altLang="en-US" smtClean="0"/>
+            <a:endParaRPr lang="en-US" altLang="zh-CN" dirty="0" smtClean="0"/>
+          </a:p>
+          <a:p>
+            <a:r>
+              <a:rPr lang="zh-CN" altLang="en-US" dirty="0" smtClean="0"/>
               <a:t>数据库检查点</a:t>
             </a:r>
-            <a:endParaRPr lang="en-US" altLang="zh-CN" smtClean="0"/>
-          </a:p>
-          <a:p>
-            <a:r>
-              <a:rPr lang="zh-CN" altLang="en-US" smtClean="0"/>
+            <a:endParaRPr lang="en-US" altLang="zh-CN" dirty="0" smtClean="0"/>
+          </a:p>
+          <a:p>
+            <a:r>
+              <a:rPr lang="zh-CN" altLang="en-US" dirty="0" smtClean="0"/>
               <a:t>页面检查点</a:t>
             </a:r>
             <a:endParaRPr lang="en-US" altLang="zh-CN" dirty="0" smtClean="0"/>
@@ -8985,42 +9101,50 @@
           <a:lstStyle/>
           <a:p>
             <a:r>
-              <a:rPr lang="zh-CN" altLang="en-US" smtClean="0"/>
+              <a:rPr lang="zh-CN" altLang="en-US" dirty="0" smtClean="0">
+                <a:solidFill>
+                  <a:srgbClr val="FF0000"/>
+                </a:solidFill>
+              </a:rPr>
               <a:t>检查点概述</a:t>
             </a:r>
-            <a:endParaRPr lang="en-US" altLang="zh-CN" smtClean="0"/>
-          </a:p>
-          <a:p>
-            <a:r>
-              <a:rPr lang="zh-CN" altLang="en-US" smtClean="0"/>
+            <a:endParaRPr lang="en-US" altLang="zh-CN" dirty="0" smtClean="0">
+              <a:solidFill>
+                <a:srgbClr val="FF0000"/>
+              </a:solidFill>
+            </a:endParaRPr>
+          </a:p>
+          <a:p>
+            <a:r>
+              <a:rPr lang="zh-CN" altLang="en-US" dirty="0" smtClean="0"/>
               <a:t>标准检查点</a:t>
             </a:r>
-            <a:endParaRPr lang="en-US" altLang="zh-CN" smtClean="0"/>
-          </a:p>
-          <a:p>
-            <a:r>
-              <a:rPr lang="zh-CN" altLang="en-US" smtClean="0"/>
+            <a:endParaRPr lang="en-US" altLang="zh-CN" dirty="0" smtClean="0"/>
+          </a:p>
+          <a:p>
+            <a:r>
+              <a:rPr lang="zh-CN" altLang="en-US" dirty="0" smtClean="0"/>
               <a:t>文本检查点</a:t>
             </a:r>
-            <a:endParaRPr lang="en-US" altLang="zh-CN" smtClean="0"/>
-          </a:p>
-          <a:p>
-            <a:r>
-              <a:rPr lang="zh-CN" altLang="en-US" smtClean="0"/>
+            <a:endParaRPr lang="en-US" altLang="zh-CN" dirty="0" smtClean="0"/>
+          </a:p>
+          <a:p>
+            <a:r>
+              <a:rPr lang="zh-CN" altLang="en-US" dirty="0" smtClean="0"/>
               <a:t>表格检查点</a:t>
             </a:r>
-            <a:endParaRPr lang="en-US" altLang="zh-CN" smtClean="0"/>
-          </a:p>
-          <a:p>
-            <a:r>
-              <a:rPr lang="zh-CN" altLang="en-US" smtClean="0"/>
+            <a:endParaRPr lang="en-US" altLang="zh-CN" dirty="0" smtClean="0"/>
+          </a:p>
+          <a:p>
+            <a:r>
+              <a:rPr lang="zh-CN" altLang="en-US" dirty="0" smtClean="0"/>
               <a:t>数据库检查点</a:t>
             </a:r>
-            <a:endParaRPr lang="en-US" altLang="zh-CN" smtClean="0"/>
-          </a:p>
-          <a:p>
-            <a:r>
-              <a:rPr lang="zh-CN" altLang="en-US" smtClean="0"/>
+            <a:endParaRPr lang="en-US" altLang="zh-CN" dirty="0" smtClean="0"/>
+          </a:p>
+          <a:p>
+            <a:r>
+              <a:rPr lang="zh-CN" altLang="en-US" dirty="0" smtClean="0"/>
               <a:t>页面检查点</a:t>
             </a:r>
             <a:endParaRPr lang="en-US" altLang="zh-CN" dirty="0" smtClean="0"/>
@@ -15629,10 +15753,18 @@
           </a:p>
           <a:p>
             <a:r>
-              <a:rPr lang="zh-CN" altLang="en-US" dirty="0" smtClean="0"/>
+              <a:rPr lang="zh-CN" altLang="en-US" dirty="0" smtClean="0">
+                <a:solidFill>
+                  <a:srgbClr val="FF0000"/>
+                </a:solidFill>
+              </a:rPr>
               <a:t>标准检查点</a:t>
             </a:r>
-            <a:endParaRPr lang="en-US" altLang="zh-CN" dirty="0" smtClean="0"/>
+            <a:endParaRPr lang="en-US" altLang="zh-CN" dirty="0" smtClean="0">
+              <a:solidFill>
+                <a:srgbClr val="FF0000"/>
+              </a:solidFill>
+            </a:endParaRPr>
           </a:p>
           <a:p>
             <a:r>

--- a/PPT/03 UFT Check Point.pptx
+++ b/PPT/03 UFT Check Point.pptx
@@ -145,7 +145,7 @@
   </p:defaultTextStyle>
   <p:extLst>
     <p:ext uri="{EFAFB233-063F-42B5-8137-9DF3F51BA10A}">
-      <p15:sldGuideLst xmlns="" xmlns:p15="http://schemas.microsoft.com/office/powerpoint/2012/main">
+      <p15:sldGuideLst xmlns:p15="http://schemas.microsoft.com/office/powerpoint/2012/main" xmlns="">
         <p15:guide id="1" orient="horz" pos="2160">
           <p15:clr>
             <a:srgbClr val="A4A3A4"/>
